--- a/assets/ZooKill Soccer Game Design Document.pptx
+++ b/assets/ZooKill Soccer Game Design Document.pptx
@@ -311,7 +311,7 @@
           <a:p>
             <a:fld id="{14C9F191-5DFD-4C62-B838-AC695C885212}" type="datetimeFigureOut">
               <a:rPr lang="en-US" smtClean="0"/>
-              <a:t>11/15/16</a:t>
+              <a:t>11/22/16</a:t>
             </a:fld>
             <a:endParaRPr lang="en-US"/>
           </a:p>
@@ -481,7 +481,7 @@
           <a:p>
             <a:fld id="{14C9F191-5DFD-4C62-B838-AC695C885212}" type="datetimeFigureOut">
               <a:rPr lang="en-US" smtClean="0"/>
-              <a:t>11/15/16</a:t>
+              <a:t>11/22/16</a:t>
             </a:fld>
             <a:endParaRPr lang="en-US"/>
           </a:p>
@@ -661,7 +661,7 @@
           <a:p>
             <a:fld id="{14C9F191-5DFD-4C62-B838-AC695C885212}" type="datetimeFigureOut">
               <a:rPr lang="en-US" smtClean="0"/>
-              <a:t>11/15/16</a:t>
+              <a:t>11/22/16</a:t>
             </a:fld>
             <a:endParaRPr lang="en-US"/>
           </a:p>
@@ -831,7 +831,7 @@
           <a:p>
             <a:fld id="{14C9F191-5DFD-4C62-B838-AC695C885212}" type="datetimeFigureOut">
               <a:rPr lang="en-US" smtClean="0"/>
-              <a:t>11/15/16</a:t>
+              <a:t>11/22/16</a:t>
             </a:fld>
             <a:endParaRPr lang="en-US"/>
           </a:p>
@@ -1077,7 +1077,7 @@
           <a:p>
             <a:fld id="{14C9F191-5DFD-4C62-B838-AC695C885212}" type="datetimeFigureOut">
               <a:rPr lang="en-US" smtClean="0"/>
-              <a:t>11/15/16</a:t>
+              <a:t>11/22/16</a:t>
             </a:fld>
             <a:endParaRPr lang="en-US"/>
           </a:p>
@@ -1365,7 +1365,7 @@
           <a:p>
             <a:fld id="{14C9F191-5DFD-4C62-B838-AC695C885212}" type="datetimeFigureOut">
               <a:rPr lang="en-US" smtClean="0"/>
-              <a:t>11/15/16</a:t>
+              <a:t>11/22/16</a:t>
             </a:fld>
             <a:endParaRPr lang="en-US"/>
           </a:p>
@@ -1787,7 +1787,7 @@
           <a:p>
             <a:fld id="{14C9F191-5DFD-4C62-B838-AC695C885212}" type="datetimeFigureOut">
               <a:rPr lang="en-US" smtClean="0"/>
-              <a:t>11/15/16</a:t>
+              <a:t>11/22/16</a:t>
             </a:fld>
             <a:endParaRPr lang="en-US"/>
           </a:p>
@@ -1905,7 +1905,7 @@
           <a:p>
             <a:fld id="{14C9F191-5DFD-4C62-B838-AC695C885212}" type="datetimeFigureOut">
               <a:rPr lang="en-US" smtClean="0"/>
-              <a:t>11/15/16</a:t>
+              <a:t>11/22/16</a:t>
             </a:fld>
             <a:endParaRPr lang="en-US"/>
           </a:p>
@@ -2000,7 +2000,7 @@
           <a:p>
             <a:fld id="{14C9F191-5DFD-4C62-B838-AC695C885212}" type="datetimeFigureOut">
               <a:rPr lang="en-US" smtClean="0"/>
-              <a:t>11/15/16</a:t>
+              <a:t>11/22/16</a:t>
             </a:fld>
             <a:endParaRPr lang="en-US"/>
           </a:p>
@@ -2277,7 +2277,7 @@
           <a:p>
             <a:fld id="{14C9F191-5DFD-4C62-B838-AC695C885212}" type="datetimeFigureOut">
               <a:rPr lang="en-US" smtClean="0"/>
-              <a:t>11/15/16</a:t>
+              <a:t>11/22/16</a:t>
             </a:fld>
             <a:endParaRPr lang="en-US"/>
           </a:p>
@@ -2530,7 +2530,7 @@
           <a:p>
             <a:fld id="{14C9F191-5DFD-4C62-B838-AC695C885212}" type="datetimeFigureOut">
               <a:rPr lang="en-US" smtClean="0"/>
-              <a:t>11/15/16</a:t>
+              <a:t>11/22/16</a:t>
             </a:fld>
             <a:endParaRPr lang="en-US"/>
           </a:p>
@@ -2743,7 +2743,7 @@
           <a:p>
             <a:fld id="{14C9F191-5DFD-4C62-B838-AC695C885212}" type="datetimeFigureOut">
               <a:rPr lang="en-US" smtClean="0"/>
-              <a:t>11/15/16</a:t>
+              <a:t>11/22/16</a:t>
             </a:fld>
             <a:endParaRPr lang="en-US"/>
           </a:p>
@@ -3168,7 +3168,11 @@
           <a:p>
             <a:r>
               <a:rPr lang="en-US" dirty="0" smtClean="0"/>
-              <a:t>Created by: Your Name</a:t>
+              <a:t>Created by</a:t>
+            </a:r>
+            <a:r>
+              <a:rPr lang="en-US" smtClean="0"/>
+              <a:t>: Jessica Johnston</a:t>
             </a:r>
             <a:endParaRPr lang="en-US" dirty="0"/>
           </a:p>
@@ -4057,7 +4061,7 @@
             <a:avLst/>
           </a:prstGeom>
           <a:solidFill>
-            <a:schemeClr val="bg1"/>
+            <a:schemeClr val="accent5"/>
           </a:solidFill>
           <a:ln>
             <a:solidFill>
@@ -4108,7 +4112,7 @@
         </p:nvSpPr>
         <p:spPr>
           <a:xfrm>
-            <a:off x="4038600" y="1356519"/>
+            <a:off x="4604393" y="1356518"/>
             <a:ext cx="1447800" cy="609600"/>
           </a:xfrm>
           <a:prstGeom prst="snip2DiagRect">
@@ -4201,12 +4205,12 @@
           <a:p>
             <a:pPr algn="ctr"/>
             <a:r>
-              <a:rPr lang="en-US" dirty="0" err="1" smtClean="0">
+              <a:rPr lang="en-US" smtClean="0">
                 <a:solidFill>
                   <a:schemeClr val="tx1"/>
                 </a:solidFill>
               </a:rPr>
-              <a:t>ScreenObj</a:t>
+              <a:t>Screen</a:t>
             </a:r>
             <a:endParaRPr lang="en-US" dirty="0">
               <a:solidFill>
@@ -4224,8 +4228,8 @@
         </p:nvSpPr>
         <p:spPr>
           <a:xfrm>
-            <a:off x="233579" y="1058999"/>
-            <a:ext cx="1676400" cy="609600"/>
+            <a:off x="263092" y="1574931"/>
+            <a:ext cx="1625506" cy="591093"/>
           </a:xfrm>
           <a:prstGeom prst="snip2DiagRect">
             <a:avLst/>
@@ -4284,8 +4288,8 @@
         </p:nvSpPr>
         <p:spPr>
           <a:xfrm>
-            <a:off x="233579" y="1869484"/>
-            <a:ext cx="1676400" cy="609600"/>
+            <a:off x="263092" y="2385416"/>
+            <a:ext cx="1625506" cy="591093"/>
           </a:xfrm>
           <a:prstGeom prst="snip2DiagRect">
             <a:avLst/>
@@ -4344,8 +4348,8 @@
         </p:nvSpPr>
         <p:spPr>
           <a:xfrm>
-            <a:off x="233579" y="2653894"/>
-            <a:ext cx="1676400" cy="609600"/>
+            <a:off x="263092" y="3169826"/>
+            <a:ext cx="1625506" cy="591093"/>
           </a:xfrm>
           <a:prstGeom prst="snip2DiagRect">
             <a:avLst/>
@@ -4407,8 +4411,8 @@
         </p:nvCxnSpPr>
         <p:spPr>
           <a:xfrm flipH="1" flipV="1">
-            <a:off x="1909979" y="1363799"/>
-            <a:ext cx="508634" cy="1292434"/>
+            <a:off x="1888598" y="1870478"/>
+            <a:ext cx="530015" cy="785755"/>
           </a:xfrm>
           <a:prstGeom prst="straightConnector1">
             <a:avLst/>
@@ -4442,9 +4446,9 @@
           <p:nvPr/>
         </p:nvCxnSpPr>
         <p:spPr>
-          <a:xfrm flipH="1" flipV="1">
-            <a:off x="1909979" y="2174284"/>
-            <a:ext cx="508634" cy="481949"/>
+          <a:xfrm flipH="1">
+            <a:off x="1888598" y="2656233"/>
+            <a:ext cx="530015" cy="24730"/>
           </a:xfrm>
           <a:prstGeom prst="straightConnector1">
             <a:avLst/>
@@ -4479,8 +4483,8 @@
         </p:nvCxnSpPr>
         <p:spPr>
           <a:xfrm flipH="1">
-            <a:off x="1909979" y="2656233"/>
-            <a:ext cx="508634" cy="302461"/>
+            <a:off x="1888598" y="2656233"/>
+            <a:ext cx="530015" cy="809140"/>
           </a:xfrm>
           <a:prstGeom prst="straightConnector1">
             <a:avLst/>
@@ -4504,42 +4508,6 @@
           </a:fontRef>
         </p:style>
       </p:cxnSp>
-      <p:cxnSp>
-        <p:nvCxnSpPr>
-          <p:cNvPr id="17" name="Straight Arrow Connector 16"/>
-          <p:cNvCxnSpPr>
-            <a:stCxn id="5" idx="2"/>
-            <a:endCxn id="6" idx="3"/>
-          </p:cNvCxnSpPr>
-          <p:nvPr/>
-        </p:nvCxnSpPr>
-        <p:spPr>
-          <a:xfrm flipH="1">
-            <a:off x="3218713" y="1661319"/>
-            <a:ext cx="819887" cy="690114"/>
-          </a:xfrm>
-          <a:prstGeom prst="straightConnector1">
-            <a:avLst/>
-          </a:prstGeom>
-          <a:ln>
-            <a:tailEnd type="triangle"/>
-          </a:ln>
-        </p:spPr>
-        <p:style>
-          <a:lnRef idx="1">
-            <a:schemeClr val="accent1"/>
-          </a:lnRef>
-          <a:fillRef idx="0">
-            <a:schemeClr val="accent1"/>
-          </a:fillRef>
-          <a:effectRef idx="0">
-            <a:schemeClr val="accent1"/>
-          </a:effectRef>
-          <a:fontRef idx="minor">
-            <a:schemeClr val="tx1"/>
-          </a:fontRef>
-        </p:style>
-      </p:cxnSp>
       <p:sp>
         <p:nvSpPr>
           <p:cNvPr id="18" name="Snip Diagonal Corner Rectangle 17"/>
@@ -4548,7 +4516,7 @@
         </p:nvSpPr>
         <p:spPr>
           <a:xfrm>
-            <a:off x="7239000" y="2355121"/>
+            <a:off x="7540446" y="2364605"/>
             <a:ext cx="1066800" cy="609600"/>
           </a:xfrm>
           <a:prstGeom prst="snip2DiagRect">
@@ -4583,12 +4551,12 @@
           <a:p>
             <a:pPr algn="ctr"/>
             <a:r>
-              <a:rPr lang="en-US" dirty="0" err="1" smtClean="0">
+              <a:rPr lang="en-US" dirty="0" smtClean="0">
                 <a:solidFill>
                   <a:schemeClr val="tx1"/>
                 </a:solidFill>
               </a:rPr>
-              <a:t>HUDObj</a:t>
+              <a:t>HUD</a:t>
             </a:r>
             <a:endParaRPr lang="en-US" dirty="0">
               <a:solidFill>
@@ -4598,42 +4566,6 @@
           </a:p>
         </p:txBody>
       </p:sp>
-      <p:cxnSp>
-        <p:nvCxnSpPr>
-          <p:cNvPr id="20" name="Straight Arrow Connector 19"/>
-          <p:cNvCxnSpPr>
-            <a:stCxn id="5" idx="0"/>
-            <a:endCxn id="18" idx="2"/>
-          </p:cNvCxnSpPr>
-          <p:nvPr/>
-        </p:nvCxnSpPr>
-        <p:spPr>
-          <a:xfrm>
-            <a:off x="5486400" y="1661319"/>
-            <a:ext cx="1752600" cy="998602"/>
-          </a:xfrm>
-          <a:prstGeom prst="straightConnector1">
-            <a:avLst/>
-          </a:prstGeom>
-          <a:ln>
-            <a:tailEnd type="triangle"/>
-          </a:ln>
-        </p:spPr>
-        <p:style>
-          <a:lnRef idx="1">
-            <a:schemeClr val="accent1"/>
-          </a:lnRef>
-          <a:fillRef idx="0">
-            <a:schemeClr val="accent1"/>
-          </a:fillRef>
-          <a:effectRef idx="0">
-            <a:schemeClr val="accent1"/>
-          </a:effectRef>
-          <a:fontRef idx="minor">
-            <a:schemeClr val="tx1"/>
-          </a:fontRef>
-        </p:style>
-      </p:cxnSp>
       <p:sp>
         <p:nvSpPr>
           <p:cNvPr id="21" name="Snip Diagonal Corner Rectangle 20"/>
@@ -4642,8 +4574,8 @@
         </p:nvSpPr>
         <p:spPr>
           <a:xfrm>
-            <a:off x="7239000" y="3667347"/>
-            <a:ext cx="1066800" cy="609600"/>
+            <a:off x="7687799" y="3319723"/>
+            <a:ext cx="772093" cy="441196"/>
           </a:xfrm>
           <a:prstGeom prst="snip2DiagRect">
             <a:avLst/>
@@ -4705,8 +4637,8 @@
         </p:nvCxnSpPr>
         <p:spPr>
           <a:xfrm>
-            <a:off x="7772400" y="2964721"/>
-            <a:ext cx="0" cy="702626"/>
+            <a:off x="8073846" y="2974205"/>
+            <a:ext cx="0" cy="345518"/>
           </a:xfrm>
           <a:prstGeom prst="straightConnector1">
             <a:avLst/>
@@ -4741,8 +4673,8 @@
         </p:nvCxnSpPr>
         <p:spPr>
           <a:xfrm>
-            <a:off x="4762500" y="1966119"/>
-            <a:ext cx="582490" cy="396509"/>
+            <a:off x="5328293" y="1966118"/>
+            <a:ext cx="16697" cy="396510"/>
           </a:xfrm>
           <a:prstGeom prst="straightConnector1">
             <a:avLst/>
@@ -4774,7 +4706,7 @@
         </p:nvSpPr>
         <p:spPr>
           <a:xfrm>
-            <a:off x="1447800" y="3667347"/>
+            <a:off x="2852247" y="3950872"/>
             <a:ext cx="1347048" cy="609600"/>
           </a:xfrm>
           <a:prstGeom prst="snip2DiagRect">
@@ -4809,12 +4741,12 @@
           <a:p>
             <a:pPr algn="ctr"/>
             <a:r>
-              <a:rPr lang="en-US" smtClean="0">
+              <a:rPr lang="en-US" dirty="0" smtClean="0">
                 <a:solidFill>
                   <a:schemeClr val="tx1"/>
                 </a:solidFill>
               </a:rPr>
-              <a:t>StaticObj</a:t>
+              <a:t>Static</a:t>
             </a:r>
             <a:endParaRPr lang="en-US" dirty="0">
               <a:solidFill>
@@ -4832,7 +4764,7 @@
         </p:nvSpPr>
         <p:spPr>
           <a:xfrm>
-            <a:off x="4518819" y="3667347"/>
+            <a:off x="5717599" y="4047841"/>
             <a:ext cx="1618949" cy="609600"/>
           </a:xfrm>
           <a:prstGeom prst="snip2DiagRect">
@@ -4867,12 +4799,12 @@
           <a:p>
             <a:pPr algn="ctr"/>
             <a:r>
-              <a:rPr lang="en-US" smtClean="0">
+              <a:rPr lang="en-US" dirty="0" smtClean="0">
                 <a:solidFill>
                   <a:schemeClr val="tx1"/>
                 </a:solidFill>
               </a:rPr>
-              <a:t>DynamicObj</a:t>
+              <a:t>Dynamic</a:t>
             </a:r>
             <a:endParaRPr lang="en-US" dirty="0">
               <a:solidFill>
@@ -4890,8 +4822,8 @@
         </p:nvSpPr>
         <p:spPr>
           <a:xfrm>
-            <a:off x="538379" y="5606265"/>
-            <a:ext cx="1066800" cy="609600"/>
+            <a:off x="2364300" y="5253682"/>
+            <a:ext cx="824709" cy="471262"/>
           </a:xfrm>
           <a:prstGeom prst="snip2DiagRect">
             <a:avLst/>
@@ -4950,8 +4882,8 @@
         </p:nvSpPr>
         <p:spPr>
           <a:xfrm>
-            <a:off x="2350786" y="5614827"/>
-            <a:ext cx="1066800" cy="609600"/>
+            <a:off x="3556199" y="5251416"/>
+            <a:ext cx="824709" cy="471262"/>
           </a:xfrm>
           <a:prstGeom prst="snip2DiagRect">
             <a:avLst/>
@@ -5005,16 +4937,13 @@
       <p:cxnSp>
         <p:nvCxnSpPr>
           <p:cNvPr id="52" name="Straight Arrow Connector 51"/>
-          <p:cNvCxnSpPr>
-            <a:stCxn id="4" idx="1"/>
-            <a:endCxn id="46" idx="0"/>
-          </p:cNvCxnSpPr>
+          <p:cNvCxnSpPr/>
           <p:nvPr/>
         </p:nvCxnSpPr>
         <p:spPr>
           <a:xfrm flipH="1">
-            <a:off x="2794848" y="2972228"/>
-            <a:ext cx="2550142" cy="999919"/>
+            <a:off x="4162243" y="2938441"/>
+            <a:ext cx="1126796" cy="1037539"/>
           </a:xfrm>
           <a:prstGeom prst="straightConnector1">
             <a:avLst/>
@@ -5048,9 +4977,9 @@
           <p:nvPr/>
         </p:nvCxnSpPr>
         <p:spPr>
-          <a:xfrm flipH="1">
-            <a:off x="5328294" y="2972228"/>
-            <a:ext cx="16696" cy="695119"/>
+          <a:xfrm>
+            <a:off x="5344990" y="2972228"/>
+            <a:ext cx="1182084" cy="1075613"/>
           </a:xfrm>
           <a:prstGeom prst="straightConnector1">
             <a:avLst/>
@@ -5085,8 +5014,8 @@
         </p:nvCxnSpPr>
         <p:spPr>
           <a:xfrm flipH="1">
-            <a:off x="1071779" y="4276947"/>
-            <a:ext cx="1049545" cy="1329318"/>
+            <a:off x="2776655" y="4560472"/>
+            <a:ext cx="749116" cy="693210"/>
           </a:xfrm>
           <a:prstGeom prst="straightConnector1">
             <a:avLst/>
@@ -5121,8 +5050,8 @@
         </p:nvCxnSpPr>
         <p:spPr>
           <a:xfrm>
-            <a:off x="2121324" y="4276947"/>
-            <a:ext cx="762862" cy="1337880"/>
+            <a:off x="3525771" y="4560472"/>
+            <a:ext cx="442783" cy="690944"/>
           </a:xfrm>
           <a:prstGeom prst="straightConnector1">
             <a:avLst/>
@@ -5154,8 +5083,8 @@
         </p:nvSpPr>
         <p:spPr>
           <a:xfrm>
-            <a:off x="5735884" y="5638800"/>
-            <a:ext cx="1219200" cy="609600"/>
+            <a:off x="6160763" y="5267041"/>
+            <a:ext cx="942524" cy="471262"/>
           </a:xfrm>
           <a:prstGeom prst="snip2DiagRect">
             <a:avLst/>
@@ -5214,8 +5143,8 @@
         </p:nvSpPr>
         <p:spPr>
           <a:xfrm>
-            <a:off x="4155242" y="5614827"/>
-            <a:ext cx="1219200" cy="609600"/>
+            <a:off x="5003566" y="5251416"/>
+            <a:ext cx="942524" cy="471262"/>
           </a:xfrm>
           <a:prstGeom prst="snip2DiagRect">
             <a:avLst/>
@@ -5274,8 +5203,8 @@
         </p:nvSpPr>
         <p:spPr>
           <a:xfrm>
-            <a:off x="7239000" y="5652499"/>
-            <a:ext cx="1219200" cy="609600"/>
+            <a:off x="7441500" y="5267041"/>
+            <a:ext cx="942524" cy="471262"/>
           </a:xfrm>
           <a:prstGeom prst="snip2DiagRect">
             <a:avLst/>
@@ -5337,8 +5266,8 @@
         </p:nvCxnSpPr>
         <p:spPr>
           <a:xfrm flipH="1">
-            <a:off x="4764842" y="4276947"/>
-            <a:ext cx="563452" cy="1337880"/>
+            <a:off x="5474828" y="4657441"/>
+            <a:ext cx="1052246" cy="593975"/>
           </a:xfrm>
           <a:prstGeom prst="straightConnector1">
             <a:avLst/>
@@ -5373,8 +5302,8 @@
         </p:nvCxnSpPr>
         <p:spPr>
           <a:xfrm>
-            <a:off x="5328294" y="4276947"/>
-            <a:ext cx="1017190" cy="1361853"/>
+            <a:off x="6527074" y="4657441"/>
+            <a:ext cx="104951" cy="609600"/>
           </a:xfrm>
           <a:prstGeom prst="straightConnector1">
             <a:avLst/>
@@ -5409,8 +5338,8 @@
         </p:nvCxnSpPr>
         <p:spPr>
           <a:xfrm>
-            <a:off x="5328294" y="4276947"/>
-            <a:ext cx="2520306" cy="1375552"/>
+            <a:off x="6527074" y="4657441"/>
+            <a:ext cx="1385688" cy="609600"/>
           </a:xfrm>
           <a:prstGeom prst="straightConnector1">
             <a:avLst/>
@@ -5436,13 +5365,182 @@
       </p:cxnSp>
       <p:sp>
         <p:nvSpPr>
-          <p:cNvPr id="185" name="Rectangle 184"/>
+          <p:cNvPr id="186" name="TextBox 185"/>
+          <p:cNvSpPr txBox="1"/>
+          <p:nvPr/>
+        </p:nvSpPr>
+        <p:spPr>
+          <a:xfrm>
+            <a:off x="3203409" y="6159911"/>
+            <a:ext cx="801823" cy="369332"/>
+          </a:xfrm>
+          <a:prstGeom prst="rect">
+            <a:avLst/>
+          </a:prstGeom>
+          <a:noFill/>
+        </p:spPr>
+        <p:txBody>
+          <a:bodyPr wrap="none" rtlCol="0">
+            <a:spAutoFit/>
+          </a:bodyPr>
+          <a:lstStyle/>
+          <a:p>
+            <a:r>
+              <a:rPr lang="en-US" dirty="0" smtClean="0"/>
+              <a:t>Visible</a:t>
+            </a:r>
+            <a:endParaRPr lang="en-US" dirty="0"/>
+          </a:p>
+        </p:txBody>
+      </p:sp>
+      <p:sp>
+        <p:nvSpPr>
+          <p:cNvPr id="187" name="Rectangle 186"/>
           <p:cNvSpPr/>
           <p:nvPr/>
         </p:nvSpPr>
         <p:spPr>
           <a:xfrm>
-            <a:off x="8509486" y="1200479"/>
+            <a:off x="6320110" y="6183756"/>
+            <a:ext cx="342900" cy="312079"/>
+          </a:xfrm>
+          <a:prstGeom prst="rect">
+            <a:avLst/>
+          </a:prstGeom>
+          <a:solidFill>
+            <a:schemeClr val="bg1"/>
+          </a:solidFill>
+        </p:spPr>
+        <p:style>
+          <a:lnRef idx="2">
+            <a:schemeClr val="accent1">
+              <a:shade val="50000"/>
+            </a:schemeClr>
+          </a:lnRef>
+          <a:fillRef idx="1">
+            <a:schemeClr val="accent1"/>
+          </a:fillRef>
+          <a:effectRef idx="0">
+            <a:schemeClr val="accent1"/>
+          </a:effectRef>
+          <a:fontRef idx="minor">
+            <a:schemeClr val="lt1"/>
+          </a:fontRef>
+        </p:style>
+        <p:txBody>
+          <a:bodyPr rtlCol="0" anchor="ctr"/>
+          <a:lstStyle/>
+          <a:p>
+            <a:pPr algn="ctr"/>
+            <a:endParaRPr lang="en-US"/>
+          </a:p>
+        </p:txBody>
+      </p:sp>
+      <p:sp>
+        <p:nvSpPr>
+          <p:cNvPr id="188" name="TextBox 187"/>
+          <p:cNvSpPr txBox="1"/>
+          <p:nvPr/>
+        </p:nvSpPr>
+        <p:spPr>
+          <a:xfrm>
+            <a:off x="5368193" y="6129560"/>
+            <a:ext cx="863989" cy="369332"/>
+          </a:xfrm>
+          <a:prstGeom prst="rect">
+            <a:avLst/>
+          </a:prstGeom>
+          <a:noFill/>
+        </p:spPr>
+        <p:txBody>
+          <a:bodyPr wrap="none" rtlCol="0">
+            <a:spAutoFit/>
+          </a:bodyPr>
+          <a:lstStyle/>
+          <a:p>
+            <a:r>
+              <a:rPr lang="en-US" dirty="0" smtClean="0"/>
+              <a:t>Invisible</a:t>
+            </a:r>
+            <a:endParaRPr lang="en-US" dirty="0"/>
+          </a:p>
+        </p:txBody>
+      </p:sp>
+      <p:cxnSp>
+        <p:nvCxnSpPr>
+          <p:cNvPr id="10" name="Straight Connector 9"/>
+          <p:cNvCxnSpPr>
+            <a:stCxn id="6" idx="0"/>
+            <a:endCxn id="4" idx="2"/>
+          </p:cNvCxnSpPr>
+          <p:nvPr/>
+        </p:nvCxnSpPr>
+        <p:spPr>
+          <a:xfrm>
+            <a:off x="4018813" y="2656233"/>
+            <a:ext cx="533399" cy="11195"/>
+          </a:xfrm>
+          <a:prstGeom prst="line">
+            <a:avLst/>
+          </a:prstGeom>
+        </p:spPr>
+        <p:style>
+          <a:lnRef idx="1">
+            <a:schemeClr val="accent1"/>
+          </a:lnRef>
+          <a:fillRef idx="0">
+            <a:schemeClr val="accent1"/>
+          </a:fillRef>
+          <a:effectRef idx="0">
+            <a:schemeClr val="accent1"/>
+          </a:effectRef>
+          <a:fontRef idx="minor">
+            <a:schemeClr val="tx1"/>
+          </a:fontRef>
+        </p:style>
+      </p:cxnSp>
+      <p:cxnSp>
+        <p:nvCxnSpPr>
+          <p:cNvPr id="24" name="Straight Connector 23"/>
+          <p:cNvCxnSpPr>
+            <a:stCxn id="4" idx="0"/>
+            <a:endCxn id="18" idx="2"/>
+          </p:cNvCxnSpPr>
+          <p:nvPr/>
+        </p:nvCxnSpPr>
+        <p:spPr>
+          <a:xfrm>
+            <a:off x="6137767" y="2667428"/>
+            <a:ext cx="1402679" cy="1977"/>
+          </a:xfrm>
+          <a:prstGeom prst="line">
+            <a:avLst/>
+          </a:prstGeom>
+        </p:spPr>
+        <p:style>
+          <a:lnRef idx="1">
+            <a:schemeClr val="accent1"/>
+          </a:lnRef>
+          <a:fillRef idx="0">
+            <a:schemeClr val="accent1"/>
+          </a:fillRef>
+          <a:effectRef idx="0">
+            <a:schemeClr val="accent1"/>
+          </a:effectRef>
+          <a:fontRef idx="minor">
+            <a:schemeClr val="tx1"/>
+          </a:fontRef>
+        </p:style>
+      </p:cxnSp>
+      <p:sp>
+        <p:nvSpPr>
+          <p:cNvPr id="45" name="Rectangle 44"/>
+          <p:cNvSpPr/>
+          <p:nvPr/>
+        </p:nvSpPr>
+        <p:spPr>
+          <a:xfrm>
+            <a:off x="4110480" y="6183756"/>
             <a:ext cx="342900" cy="312079"/>
           </a:xfrm>
           <a:prstGeom prst="rect">
@@ -5481,50 +5579,20 @@
       </p:sp>
       <p:sp>
         <p:nvSpPr>
-          <p:cNvPr id="186" name="TextBox 185"/>
-          <p:cNvSpPr txBox="1"/>
-          <p:nvPr/>
-        </p:nvSpPr>
-        <p:spPr>
-          <a:xfrm>
-            <a:off x="7707663" y="1177276"/>
-            <a:ext cx="801823" cy="369332"/>
-          </a:xfrm>
-          <a:prstGeom prst="rect">
-            <a:avLst/>
-          </a:prstGeom>
-          <a:noFill/>
-        </p:spPr>
-        <p:txBody>
-          <a:bodyPr wrap="none" rtlCol="0">
-            <a:spAutoFit/>
-          </a:bodyPr>
-          <a:lstStyle/>
-          <a:p>
-            <a:r>
-              <a:rPr lang="en-US" dirty="0" smtClean="0"/>
-              <a:t>Visible</a:t>
-            </a:r>
-            <a:endParaRPr lang="en-US" dirty="0"/>
-          </a:p>
-        </p:txBody>
-      </p:sp>
-      <p:sp>
-        <p:nvSpPr>
-          <p:cNvPr id="187" name="Rectangle 186"/>
+          <p:cNvPr id="48" name="Rectangle 47"/>
           <p:cNvSpPr/>
           <p:nvPr/>
         </p:nvSpPr>
         <p:spPr>
           <a:xfrm>
-            <a:off x="8509486" y="1637689"/>
+            <a:off x="1893875" y="6186420"/>
             <a:ext cx="342900" cy="312079"/>
           </a:xfrm>
           <a:prstGeom prst="rect">
             <a:avLst/>
           </a:prstGeom>
           <a:solidFill>
-            <a:schemeClr val="bg1"/>
+            <a:schemeClr val="accent5"/>
           </a:solidFill>
         </p:spPr>
         <p:style>
@@ -5554,14 +5622,14 @@
       </p:sp>
       <p:sp>
         <p:nvSpPr>
-          <p:cNvPr id="188" name="TextBox 187"/>
+          <p:cNvPr id="53" name="TextBox 52"/>
           <p:cNvSpPr txBox="1"/>
           <p:nvPr/>
         </p:nvSpPr>
         <p:spPr>
           <a:xfrm>
-            <a:off x="7530905" y="1551416"/>
-            <a:ext cx="863989" cy="369332"/>
+            <a:off x="990600" y="6129560"/>
+            <a:ext cx="849848" cy="369332"/>
           </a:xfrm>
           <a:prstGeom prst="rect">
             <a:avLst/>
@@ -5576,7 +5644,7 @@
           <a:p>
             <a:r>
               <a:rPr lang="en-US" dirty="0" smtClean="0"/>
-              <a:t>Invisible</a:t>
+              <a:t>Master</a:t>
             </a:r>
             <a:endParaRPr lang="en-US" dirty="0"/>
           </a:p>

--- a/assets/ZooKill Soccer Game Design Document.pptx
+++ b/assets/ZooKill Soccer Game Design Document.pptx
@@ -3751,8 +3751,8 @@
         </p:nvCxnSpPr>
         <p:spPr>
           <a:xfrm>
-            <a:off x="2209800" y="1981200"/>
-            <a:ext cx="0" cy="838200"/>
+            <a:off x="2209800" y="1854890"/>
+            <a:ext cx="0" cy="964510"/>
           </a:xfrm>
           <a:prstGeom prst="straightConnector1">
             <a:avLst/>
@@ -3784,7 +3784,7 @@
         </p:nvCxnSpPr>
         <p:spPr>
           <a:xfrm>
-            <a:off x="2209800" y="1981200"/>
+            <a:off x="2209800" y="1858853"/>
             <a:ext cx="5257800" cy="0"/>
           </a:xfrm>
           <a:prstGeom prst="line">
@@ -3843,9 +3843,9 @@
           <p:nvPr/>
         </p:nvCxnSpPr>
         <p:spPr>
-          <a:xfrm flipH="1">
-            <a:off x="7460750" y="1981200"/>
-            <a:ext cx="6850" cy="304800"/>
+          <a:xfrm>
+            <a:off x="7453901" y="1854890"/>
+            <a:ext cx="6849" cy="431110"/>
           </a:xfrm>
           <a:prstGeom prst="line">
             <a:avLst/>
@@ -3896,6 +3896,126 @@
           </a:fontRef>
         </p:style>
       </p:cxnSp>
+      <p:sp>
+        <p:nvSpPr>
+          <p:cNvPr id="3" name="TextBox 2"/>
+          <p:cNvSpPr txBox="1"/>
+          <p:nvPr/>
+        </p:nvSpPr>
+        <p:spPr>
+          <a:xfrm>
+            <a:off x="6908858" y="1926624"/>
+            <a:ext cx="1257395" cy="369332"/>
+          </a:xfrm>
+          <a:prstGeom prst="rect">
+            <a:avLst/>
+          </a:prstGeom>
+          <a:noFill/>
+        </p:spPr>
+        <p:txBody>
+          <a:bodyPr wrap="none" rtlCol="0">
+            <a:spAutoFit/>
+          </a:bodyPr>
+          <a:lstStyle/>
+          <a:p>
+            <a:r>
+              <a:rPr lang="en-US" dirty="0" err="1" smtClean="0"/>
+              <a:t>WonScreen</a:t>
+            </a:r>
+            <a:endParaRPr lang="en-US" dirty="0"/>
+          </a:p>
+        </p:txBody>
+      </p:sp>
+      <p:sp>
+        <p:nvSpPr>
+          <p:cNvPr id="12" name="TextBox 11"/>
+          <p:cNvSpPr txBox="1"/>
+          <p:nvPr/>
+        </p:nvSpPr>
+        <p:spPr>
+          <a:xfrm>
+            <a:off x="6908858" y="4996935"/>
+            <a:ext cx="1201804" cy="369332"/>
+          </a:xfrm>
+          <a:prstGeom prst="rect">
+            <a:avLst/>
+          </a:prstGeom>
+          <a:noFill/>
+        </p:spPr>
+        <p:txBody>
+          <a:bodyPr wrap="none" rtlCol="0">
+            <a:spAutoFit/>
+          </a:bodyPr>
+          <a:lstStyle/>
+          <a:p>
+            <a:r>
+              <a:rPr lang="en-US" dirty="0" err="1" smtClean="0"/>
+              <a:t>LostScreen</a:t>
+            </a:r>
+            <a:endParaRPr lang="en-US" dirty="0"/>
+          </a:p>
+        </p:txBody>
+      </p:sp>
+      <p:sp>
+        <p:nvSpPr>
+          <p:cNvPr id="14" name="TextBox 13"/>
+          <p:cNvSpPr txBox="1"/>
+          <p:nvPr/>
+        </p:nvSpPr>
+        <p:spPr>
+          <a:xfrm>
+            <a:off x="1581102" y="4546975"/>
+            <a:ext cx="1265731" cy="369332"/>
+          </a:xfrm>
+          <a:prstGeom prst="rect">
+            <a:avLst/>
+          </a:prstGeom>
+          <a:noFill/>
+        </p:spPr>
+        <p:txBody>
+          <a:bodyPr wrap="none" rtlCol="0">
+            <a:spAutoFit/>
+          </a:bodyPr>
+          <a:lstStyle/>
+          <a:p>
+            <a:r>
+              <a:rPr lang="en-US" dirty="0" err="1" smtClean="0"/>
+              <a:t>StartScreen</a:t>
+            </a:r>
+            <a:endParaRPr lang="en-US" dirty="0"/>
+          </a:p>
+        </p:txBody>
+      </p:sp>
+      <p:sp>
+        <p:nvSpPr>
+          <p:cNvPr id="16" name="TextBox 15"/>
+          <p:cNvSpPr txBox="1"/>
+          <p:nvPr/>
+        </p:nvSpPr>
+        <p:spPr>
+          <a:xfrm>
+            <a:off x="4463224" y="5758934"/>
+            <a:ext cx="1374287" cy="369332"/>
+          </a:xfrm>
+          <a:prstGeom prst="rect">
+            <a:avLst/>
+          </a:prstGeom>
+          <a:noFill/>
+        </p:spPr>
+        <p:txBody>
+          <a:bodyPr wrap="none" rtlCol="0">
+            <a:spAutoFit/>
+          </a:bodyPr>
+          <a:lstStyle/>
+          <a:p>
+            <a:r>
+              <a:rPr lang="en-US" smtClean="0"/>
+              <a:t>GameScreen</a:t>
+            </a:r>
+            <a:endParaRPr lang="en-US" dirty="0"/>
+          </a:p>
+        </p:txBody>
+      </p:sp>
     </p:spTree>
     <p:extLst>
       <p:ext uri="{BB962C8B-B14F-4D97-AF65-F5344CB8AC3E}">
@@ -4205,7 +4325,7 @@
           <a:p>
             <a:pPr algn="ctr"/>
             <a:r>
-              <a:rPr lang="en-US" smtClean="0">
+              <a:rPr lang="en-US" dirty="0" smtClean="0">
                 <a:solidFill>
                   <a:schemeClr val="tx1"/>
                 </a:solidFill>
@@ -4228,8 +4348,8 @@
         </p:nvSpPr>
         <p:spPr>
           <a:xfrm>
-            <a:off x="263092" y="1574931"/>
-            <a:ext cx="1625506" cy="591093"/>
+            <a:off x="280805" y="1335851"/>
+            <a:ext cx="1504642" cy="547142"/>
           </a:xfrm>
           <a:prstGeom prst="snip2DiagRect">
             <a:avLst/>
@@ -4288,8 +4408,8 @@
         </p:nvSpPr>
         <p:spPr>
           <a:xfrm>
-            <a:off x="263092" y="2385416"/>
-            <a:ext cx="1625506" cy="591093"/>
+            <a:off x="282652" y="2151641"/>
+            <a:ext cx="1504642" cy="547142"/>
           </a:xfrm>
           <a:prstGeom prst="snip2DiagRect">
             <a:avLst/>
@@ -4348,8 +4468,8 @@
         </p:nvSpPr>
         <p:spPr>
           <a:xfrm>
-            <a:off x="263092" y="3169826"/>
-            <a:ext cx="1625506" cy="591093"/>
+            <a:off x="282652" y="2936051"/>
+            <a:ext cx="1504642" cy="547142"/>
           </a:xfrm>
           <a:prstGeom prst="snip2DiagRect">
             <a:avLst/>
@@ -4390,7 +4510,7 @@
                   <a:schemeClr val="tx1"/>
                 </a:solidFill>
               </a:rPr>
-              <a:t>EndScreen</a:t>
+              <a:t>WonScreen</a:t>
             </a:r>
             <a:endParaRPr lang="en-US" dirty="0">
               <a:solidFill>
@@ -4411,8 +4531,8 @@
         </p:nvCxnSpPr>
         <p:spPr>
           <a:xfrm flipH="1" flipV="1">
-            <a:off x="1888598" y="1870478"/>
-            <a:ext cx="530015" cy="785755"/>
+            <a:off x="1785447" y="1609422"/>
+            <a:ext cx="633166" cy="1046811"/>
           </a:xfrm>
           <a:prstGeom prst="straightConnector1">
             <a:avLst/>
@@ -4446,9 +4566,9 @@
           <p:nvPr/>
         </p:nvCxnSpPr>
         <p:spPr>
-          <a:xfrm flipH="1">
-            <a:off x="1888598" y="2656233"/>
-            <a:ext cx="530015" cy="24730"/>
+          <a:xfrm flipH="1" flipV="1">
+            <a:off x="1787294" y="2425212"/>
+            <a:ext cx="631319" cy="231021"/>
           </a:xfrm>
           <a:prstGeom prst="straightConnector1">
             <a:avLst/>
@@ -4483,8 +4603,8 @@
         </p:nvCxnSpPr>
         <p:spPr>
           <a:xfrm flipH="1">
-            <a:off x="1888598" y="2656233"/>
-            <a:ext cx="530015" cy="809140"/>
+            <a:off x="1787294" y="2656233"/>
+            <a:ext cx="631319" cy="553389"/>
           </a:xfrm>
           <a:prstGeom prst="straightConnector1">
             <a:avLst/>
@@ -5650,6 +5770,102 @@
           </a:p>
         </p:txBody>
       </p:sp>
+      <p:sp>
+        <p:nvSpPr>
+          <p:cNvPr id="175" name="Snip Diagonal Corner Rectangle 174"/>
+          <p:cNvSpPr/>
+          <p:nvPr/>
+        </p:nvSpPr>
+        <p:spPr>
+          <a:xfrm>
+            <a:off x="280805" y="3687365"/>
+            <a:ext cx="1504642" cy="547142"/>
+          </a:xfrm>
+          <a:prstGeom prst="snip2DiagRect">
+            <a:avLst/>
+          </a:prstGeom>
+          <a:solidFill>
+            <a:schemeClr val="bg2">
+              <a:lumMod val="90000"/>
+            </a:schemeClr>
+          </a:solidFill>
+          <a:ln>
+            <a:solidFill>
+              <a:schemeClr val="tx1"/>
+            </a:solidFill>
+          </a:ln>
+        </p:spPr>
+        <p:style>
+          <a:lnRef idx="1">
+            <a:schemeClr val="accent1"/>
+          </a:lnRef>
+          <a:fillRef idx="3">
+            <a:schemeClr val="accent1"/>
+          </a:fillRef>
+          <a:effectRef idx="2">
+            <a:schemeClr val="accent1"/>
+          </a:effectRef>
+          <a:fontRef idx="minor">
+            <a:schemeClr val="lt1"/>
+          </a:fontRef>
+        </p:style>
+        <p:txBody>
+          <a:bodyPr rtlCol="0" anchor="ctr"/>
+          <a:lstStyle/>
+          <a:p>
+            <a:pPr algn="ctr"/>
+            <a:r>
+              <a:rPr lang="en-US" dirty="0" err="1" smtClean="0">
+                <a:solidFill>
+                  <a:schemeClr val="tx1"/>
+                </a:solidFill>
+              </a:rPr>
+              <a:t>LostScreen</a:t>
+            </a:r>
+            <a:endParaRPr lang="en-US" dirty="0">
+              <a:solidFill>
+                <a:schemeClr val="tx1"/>
+              </a:solidFill>
+            </a:endParaRPr>
+          </a:p>
+        </p:txBody>
+      </p:sp>
+      <p:cxnSp>
+        <p:nvCxnSpPr>
+          <p:cNvPr id="180" name="Straight Arrow Connector 179"/>
+          <p:cNvCxnSpPr>
+            <a:stCxn id="6" idx="2"/>
+            <a:endCxn id="175" idx="0"/>
+          </p:cNvCxnSpPr>
+          <p:nvPr/>
+        </p:nvCxnSpPr>
+        <p:spPr>
+          <a:xfrm flipH="1">
+            <a:off x="1785447" y="2656233"/>
+            <a:ext cx="633166" cy="1304703"/>
+          </a:xfrm>
+          <a:prstGeom prst="straightConnector1">
+            <a:avLst/>
+          </a:prstGeom>
+          <a:ln>
+            <a:tailEnd type="triangle"/>
+          </a:ln>
+        </p:spPr>
+        <p:style>
+          <a:lnRef idx="1">
+            <a:schemeClr val="accent1"/>
+          </a:lnRef>
+          <a:fillRef idx="0">
+            <a:schemeClr val="accent1"/>
+          </a:fillRef>
+          <a:effectRef idx="0">
+            <a:schemeClr val="accent1"/>
+          </a:effectRef>
+          <a:fontRef idx="minor">
+            <a:schemeClr val="tx1"/>
+          </a:fontRef>
+        </p:style>
+      </p:cxnSp>
     </p:spTree>
     <p:extLst>
       <p:ext uri="{BB962C8B-B14F-4D97-AF65-F5344CB8AC3E}">

--- a/assets/ZooKill Soccer Game Design Document.pptx
+++ b/assets/ZooKill Soccer Game Design Document.pptx
@@ -311,7 +311,7 @@
           <a:p>
             <a:fld id="{14C9F191-5DFD-4C62-B838-AC695C885212}" type="datetimeFigureOut">
               <a:rPr lang="en-US" smtClean="0"/>
-              <a:t>11/22/16</a:t>
+              <a:t>11/29/16</a:t>
             </a:fld>
             <a:endParaRPr lang="en-US"/>
           </a:p>
@@ -481,7 +481,7 @@
           <a:p>
             <a:fld id="{14C9F191-5DFD-4C62-B838-AC695C885212}" type="datetimeFigureOut">
               <a:rPr lang="en-US" smtClean="0"/>
-              <a:t>11/22/16</a:t>
+              <a:t>11/29/16</a:t>
             </a:fld>
             <a:endParaRPr lang="en-US"/>
           </a:p>
@@ -661,7 +661,7 @@
           <a:p>
             <a:fld id="{14C9F191-5DFD-4C62-B838-AC695C885212}" type="datetimeFigureOut">
               <a:rPr lang="en-US" smtClean="0"/>
-              <a:t>11/22/16</a:t>
+              <a:t>11/29/16</a:t>
             </a:fld>
             <a:endParaRPr lang="en-US"/>
           </a:p>
@@ -831,7 +831,7 @@
           <a:p>
             <a:fld id="{14C9F191-5DFD-4C62-B838-AC695C885212}" type="datetimeFigureOut">
               <a:rPr lang="en-US" smtClean="0"/>
-              <a:t>11/22/16</a:t>
+              <a:t>11/29/16</a:t>
             </a:fld>
             <a:endParaRPr lang="en-US"/>
           </a:p>
@@ -1077,7 +1077,7 @@
           <a:p>
             <a:fld id="{14C9F191-5DFD-4C62-B838-AC695C885212}" type="datetimeFigureOut">
               <a:rPr lang="en-US" smtClean="0"/>
-              <a:t>11/22/16</a:t>
+              <a:t>11/29/16</a:t>
             </a:fld>
             <a:endParaRPr lang="en-US"/>
           </a:p>
@@ -1365,7 +1365,7 @@
           <a:p>
             <a:fld id="{14C9F191-5DFD-4C62-B838-AC695C885212}" type="datetimeFigureOut">
               <a:rPr lang="en-US" smtClean="0"/>
-              <a:t>11/22/16</a:t>
+              <a:t>11/29/16</a:t>
             </a:fld>
             <a:endParaRPr lang="en-US"/>
           </a:p>
@@ -1787,7 +1787,7 @@
           <a:p>
             <a:fld id="{14C9F191-5DFD-4C62-B838-AC695C885212}" type="datetimeFigureOut">
               <a:rPr lang="en-US" smtClean="0"/>
-              <a:t>11/22/16</a:t>
+              <a:t>11/29/16</a:t>
             </a:fld>
             <a:endParaRPr lang="en-US"/>
           </a:p>
@@ -1905,7 +1905,7 @@
           <a:p>
             <a:fld id="{14C9F191-5DFD-4C62-B838-AC695C885212}" type="datetimeFigureOut">
               <a:rPr lang="en-US" smtClean="0"/>
-              <a:t>11/22/16</a:t>
+              <a:t>11/29/16</a:t>
             </a:fld>
             <a:endParaRPr lang="en-US"/>
           </a:p>
@@ -2000,7 +2000,7 @@
           <a:p>
             <a:fld id="{14C9F191-5DFD-4C62-B838-AC695C885212}" type="datetimeFigureOut">
               <a:rPr lang="en-US" smtClean="0"/>
-              <a:t>11/22/16</a:t>
+              <a:t>11/29/16</a:t>
             </a:fld>
             <a:endParaRPr lang="en-US"/>
           </a:p>
@@ -2277,7 +2277,7 @@
           <a:p>
             <a:fld id="{14C9F191-5DFD-4C62-B838-AC695C885212}" type="datetimeFigureOut">
               <a:rPr lang="en-US" smtClean="0"/>
-              <a:t>11/22/16</a:t>
+              <a:t>11/29/16</a:t>
             </a:fld>
             <a:endParaRPr lang="en-US"/>
           </a:p>
@@ -2530,7 +2530,7 @@
           <a:p>
             <a:fld id="{14C9F191-5DFD-4C62-B838-AC695C885212}" type="datetimeFigureOut">
               <a:rPr lang="en-US" smtClean="0"/>
-              <a:t>11/22/16</a:t>
+              <a:t>11/29/16</a:t>
             </a:fld>
             <a:endParaRPr lang="en-US"/>
           </a:p>
@@ -2743,7 +2743,7 @@
           <a:p>
             <a:fld id="{14C9F191-5DFD-4C62-B838-AC695C885212}" type="datetimeFigureOut">
               <a:rPr lang="en-US" smtClean="0"/>
-              <a:t>11/22/16</a:t>
+              <a:t>11/29/16</a:t>
             </a:fld>
             <a:endParaRPr lang="en-US"/>
           </a:p>
@@ -4181,7 +4181,10 @@
             <a:avLst/>
           </a:prstGeom>
           <a:solidFill>
-            <a:schemeClr val="accent5"/>
+            <a:schemeClr val="accent2">
+              <a:lumMod val="60000"/>
+              <a:lumOff val="40000"/>
+            </a:schemeClr>
           </a:solidFill>
           <a:ln>
             <a:solidFill>
@@ -4355,8 +4358,9 @@
             <a:avLst/>
           </a:prstGeom>
           <a:solidFill>
-            <a:schemeClr val="bg2">
-              <a:lumMod val="90000"/>
+            <a:schemeClr val="accent3">
+              <a:lumMod val="60000"/>
+              <a:lumOff val="40000"/>
             </a:schemeClr>
           </a:solidFill>
           <a:ln>
@@ -4415,8 +4419,9 @@
             <a:avLst/>
           </a:prstGeom>
           <a:solidFill>
-            <a:schemeClr val="bg2">
-              <a:lumMod val="90000"/>
+            <a:schemeClr val="accent6">
+              <a:lumMod val="20000"/>
+              <a:lumOff val="80000"/>
             </a:schemeClr>
           </a:solidFill>
           <a:ln>
@@ -4475,8 +4480,9 @@
             <a:avLst/>
           </a:prstGeom>
           <a:solidFill>
-            <a:schemeClr val="bg2">
-              <a:lumMod val="90000"/>
+            <a:schemeClr val="accent5">
+              <a:lumMod val="60000"/>
+              <a:lumOff val="40000"/>
             </a:schemeClr>
           </a:solidFill>
           <a:ln>
@@ -5712,7 +5718,10 @@
             <a:avLst/>
           </a:prstGeom>
           <a:solidFill>
-            <a:schemeClr val="accent5"/>
+            <a:schemeClr val="accent2">
+              <a:lumMod val="60000"/>
+              <a:lumOff val="40000"/>
+            </a:schemeClr>
           </a:solidFill>
         </p:spPr>
         <p:style>
@@ -5785,8 +5794,9 @@
             <a:avLst/>
           </a:prstGeom>
           <a:solidFill>
-            <a:schemeClr val="bg2">
-              <a:lumMod val="90000"/>
+            <a:schemeClr val="accent6">
+              <a:lumMod val="60000"/>
+              <a:lumOff val="40000"/>
             </a:schemeClr>
           </a:solidFill>
           <a:ln>

--- a/assets/ZooKill Soccer Game Design Document.pptx
+++ b/assets/ZooKill Soccer Game Design Document.pptx
@@ -13,6 +13,7 @@
     <p:sldId id="262" r:id="rId7"/>
     <p:sldId id="279" r:id="rId8"/>
     <p:sldId id="280" r:id="rId9"/>
+    <p:sldId id="281" r:id="rId10"/>
   </p:sldIdLst>
   <p:sldSz cx="9144000" cy="6858000" type="screen4x3"/>
   <p:notesSz cx="6858000" cy="9144000"/>
@@ -311,7 +312,7 @@
           <a:p>
             <a:fld id="{14C9F191-5DFD-4C62-B838-AC695C885212}" type="datetimeFigureOut">
               <a:rPr lang="en-US" smtClean="0"/>
-              <a:t>11/29/16</a:t>
+              <a:t>12/6/16</a:t>
             </a:fld>
             <a:endParaRPr lang="en-US"/>
           </a:p>
@@ -481,7 +482,7 @@
           <a:p>
             <a:fld id="{14C9F191-5DFD-4C62-B838-AC695C885212}" type="datetimeFigureOut">
               <a:rPr lang="en-US" smtClean="0"/>
-              <a:t>11/29/16</a:t>
+              <a:t>12/6/16</a:t>
             </a:fld>
             <a:endParaRPr lang="en-US"/>
           </a:p>
@@ -661,7 +662,7 @@
           <a:p>
             <a:fld id="{14C9F191-5DFD-4C62-B838-AC695C885212}" type="datetimeFigureOut">
               <a:rPr lang="en-US" smtClean="0"/>
-              <a:t>11/29/16</a:t>
+              <a:t>12/6/16</a:t>
             </a:fld>
             <a:endParaRPr lang="en-US"/>
           </a:p>
@@ -831,7 +832,7 @@
           <a:p>
             <a:fld id="{14C9F191-5DFD-4C62-B838-AC695C885212}" type="datetimeFigureOut">
               <a:rPr lang="en-US" smtClean="0"/>
-              <a:t>11/29/16</a:t>
+              <a:t>12/6/16</a:t>
             </a:fld>
             <a:endParaRPr lang="en-US"/>
           </a:p>
@@ -1077,7 +1078,7 @@
           <a:p>
             <a:fld id="{14C9F191-5DFD-4C62-B838-AC695C885212}" type="datetimeFigureOut">
               <a:rPr lang="en-US" smtClean="0"/>
-              <a:t>11/29/16</a:t>
+              <a:t>12/6/16</a:t>
             </a:fld>
             <a:endParaRPr lang="en-US"/>
           </a:p>
@@ -1365,7 +1366,7 @@
           <a:p>
             <a:fld id="{14C9F191-5DFD-4C62-B838-AC695C885212}" type="datetimeFigureOut">
               <a:rPr lang="en-US" smtClean="0"/>
-              <a:t>11/29/16</a:t>
+              <a:t>12/6/16</a:t>
             </a:fld>
             <a:endParaRPr lang="en-US"/>
           </a:p>
@@ -1787,7 +1788,7 @@
           <a:p>
             <a:fld id="{14C9F191-5DFD-4C62-B838-AC695C885212}" type="datetimeFigureOut">
               <a:rPr lang="en-US" smtClean="0"/>
-              <a:t>11/29/16</a:t>
+              <a:t>12/6/16</a:t>
             </a:fld>
             <a:endParaRPr lang="en-US"/>
           </a:p>
@@ -1905,7 +1906,7 @@
           <a:p>
             <a:fld id="{14C9F191-5DFD-4C62-B838-AC695C885212}" type="datetimeFigureOut">
               <a:rPr lang="en-US" smtClean="0"/>
-              <a:t>11/29/16</a:t>
+              <a:t>12/6/16</a:t>
             </a:fld>
             <a:endParaRPr lang="en-US"/>
           </a:p>
@@ -2000,7 +2001,7 @@
           <a:p>
             <a:fld id="{14C9F191-5DFD-4C62-B838-AC695C885212}" type="datetimeFigureOut">
               <a:rPr lang="en-US" smtClean="0"/>
-              <a:t>11/29/16</a:t>
+              <a:t>12/6/16</a:t>
             </a:fld>
             <a:endParaRPr lang="en-US"/>
           </a:p>
@@ -2277,7 +2278,7 @@
           <a:p>
             <a:fld id="{14C9F191-5DFD-4C62-B838-AC695C885212}" type="datetimeFigureOut">
               <a:rPr lang="en-US" smtClean="0"/>
-              <a:t>11/29/16</a:t>
+              <a:t>12/6/16</a:t>
             </a:fld>
             <a:endParaRPr lang="en-US"/>
           </a:p>
@@ -2530,7 +2531,7 @@
           <a:p>
             <a:fld id="{14C9F191-5DFD-4C62-B838-AC695C885212}" type="datetimeFigureOut">
               <a:rPr lang="en-US" smtClean="0"/>
-              <a:t>11/29/16</a:t>
+              <a:t>12/6/16</a:t>
             </a:fld>
             <a:endParaRPr lang="en-US"/>
           </a:p>
@@ -2743,7 +2744,7 @@
           <a:p>
             <a:fld id="{14C9F191-5DFD-4C62-B838-AC695C885212}" type="datetimeFigureOut">
               <a:rPr lang="en-US" smtClean="0"/>
-              <a:t>11/29/16</a:t>
+              <a:t>12/6/16</a:t>
             </a:fld>
             <a:endParaRPr lang="en-US"/>
           </a:p>
@@ -4450,7 +4451,7 @@
           <a:p>
             <a:pPr algn="ctr"/>
             <a:r>
-              <a:rPr lang="en-US" smtClean="0">
+              <a:rPr lang="en-US" dirty="0" err="1" smtClean="0">
                 <a:solidFill>
                   <a:schemeClr val="tx1"/>
                 </a:solidFill>
@@ -5893,6 +5894,1047 @@
       </p:par>
     </p:tnLst>
   </p:timing>
+</p:sld>
+</file>
+
+<file path=ppt/slides/slide9.xml><?xml version="1.0" encoding="utf-8"?>
+<p:sld xmlns:a="http://schemas.openxmlformats.org/drawingml/2006/main" xmlns:r="http://schemas.openxmlformats.org/officeDocument/2006/relationships" xmlns:p="http://schemas.openxmlformats.org/presentationml/2006/main">
+  <p:cSld>
+    <p:spTree>
+      <p:nvGrpSpPr>
+        <p:cNvPr id="1" name=""/>
+        <p:cNvGrpSpPr/>
+        <p:nvPr/>
+      </p:nvGrpSpPr>
+      <p:grpSpPr>
+        <a:xfrm>
+          <a:off x="0" y="0"/>
+          <a:ext cx="0" cy="0"/>
+          <a:chOff x="0" y="0"/>
+          <a:chExt cx="0" cy="0"/>
+        </a:xfrm>
+      </p:grpSpPr>
+      <p:sp>
+        <p:nvSpPr>
+          <p:cNvPr id="2" name="Title 1"/>
+          <p:cNvSpPr>
+            <a:spLocks noGrp="1"/>
+          </p:cNvSpPr>
+          <p:nvPr>
+            <p:ph type="title"/>
+          </p:nvPr>
+        </p:nvSpPr>
+        <p:spPr/>
+        <p:txBody>
+          <a:bodyPr/>
+          <a:lstStyle/>
+          <a:p>
+            <a:r>
+              <a:rPr lang="en-US" dirty="0" smtClean="0"/>
+              <a:t>Game Compositing – </a:t>
+            </a:r>
+            <a:r>
+              <a:rPr lang="en-US" dirty="0" err="1" smtClean="0"/>
+              <a:t>GameScreen</a:t>
+            </a:r>
+            <a:endParaRPr lang="en-US" dirty="0"/>
+          </a:p>
+        </p:txBody>
+      </p:sp>
+      <p:sp>
+        <p:nvSpPr>
+          <p:cNvPr id="6" name="Content Placeholder 5"/>
+          <p:cNvSpPr>
+            <a:spLocks noGrp="1"/>
+          </p:cNvSpPr>
+          <p:nvPr>
+            <p:ph idx="1"/>
+          </p:nvPr>
+        </p:nvSpPr>
+        <p:spPr>
+          <a:xfrm>
+            <a:off x="3619500" y="1600200"/>
+            <a:ext cx="1905000" cy="609600"/>
+          </a:xfrm>
+          <a:prstGeom prst="snip2DiagRect">
+            <a:avLst/>
+          </a:prstGeom>
+          <a:solidFill>
+            <a:schemeClr val="accent6">
+              <a:lumMod val="20000"/>
+              <a:lumOff val="80000"/>
+            </a:schemeClr>
+          </a:solidFill>
+          <a:ln>
+            <a:solidFill>
+              <a:schemeClr val="tx1"/>
+            </a:solidFill>
+          </a:ln>
+        </p:spPr>
+        <p:style>
+          <a:lnRef idx="1">
+            <a:schemeClr val="accent1"/>
+          </a:lnRef>
+          <a:fillRef idx="3">
+            <a:schemeClr val="accent1"/>
+          </a:fillRef>
+          <a:effectRef idx="2">
+            <a:schemeClr val="accent1"/>
+          </a:effectRef>
+          <a:fontRef idx="minor">
+            <a:schemeClr val="lt1"/>
+          </a:fontRef>
+        </p:style>
+        <p:txBody>
+          <a:bodyPr rtlCol="0" anchor="ctr">
+            <a:normAutofit/>
+          </a:bodyPr>
+          <a:lstStyle/>
+          <a:p>
+            <a:pPr algn="ctr"/>
+            <a:r>
+              <a:rPr lang="en-US" sz="1800" dirty="0" err="1" smtClean="0">
+                <a:solidFill>
+                  <a:schemeClr val="tx1"/>
+                </a:solidFill>
+              </a:rPr>
+              <a:t>GameScreen</a:t>
+            </a:r>
+            <a:endParaRPr lang="en-US" sz="1800" dirty="0">
+              <a:solidFill>
+                <a:schemeClr val="tx1"/>
+              </a:solidFill>
+            </a:endParaRPr>
+          </a:p>
+        </p:txBody>
+      </p:sp>
+      <p:sp>
+        <p:nvSpPr>
+          <p:cNvPr id="7" name="Snip Diagonal Corner Rectangle 6"/>
+          <p:cNvSpPr/>
+          <p:nvPr/>
+        </p:nvSpPr>
+        <p:spPr>
+          <a:xfrm>
+            <a:off x="6629400" y="1684402"/>
+            <a:ext cx="772093" cy="441196"/>
+          </a:xfrm>
+          <a:prstGeom prst="snip2DiagRect">
+            <a:avLst/>
+          </a:prstGeom>
+          <a:solidFill>
+            <a:schemeClr val="bg2">
+              <a:lumMod val="90000"/>
+            </a:schemeClr>
+          </a:solidFill>
+          <a:ln>
+            <a:solidFill>
+              <a:schemeClr val="tx1"/>
+            </a:solidFill>
+          </a:ln>
+        </p:spPr>
+        <p:style>
+          <a:lnRef idx="1">
+            <a:schemeClr val="accent1"/>
+          </a:lnRef>
+          <a:fillRef idx="3">
+            <a:schemeClr val="accent1"/>
+          </a:fillRef>
+          <a:effectRef idx="2">
+            <a:schemeClr val="accent1"/>
+          </a:effectRef>
+          <a:fontRef idx="minor">
+            <a:schemeClr val="lt1"/>
+          </a:fontRef>
+        </p:style>
+        <p:txBody>
+          <a:bodyPr rtlCol="0" anchor="ctr"/>
+          <a:lstStyle/>
+          <a:p>
+            <a:pPr algn="ctr"/>
+            <a:r>
+              <a:rPr lang="en-US" dirty="0" smtClean="0">
+                <a:solidFill>
+                  <a:schemeClr val="tx1"/>
+                </a:solidFill>
+              </a:rPr>
+              <a:t>Score</a:t>
+            </a:r>
+            <a:endParaRPr lang="en-US" dirty="0">
+              <a:solidFill>
+                <a:schemeClr val="tx1"/>
+              </a:solidFill>
+            </a:endParaRPr>
+          </a:p>
+        </p:txBody>
+      </p:sp>
+      <p:sp>
+        <p:nvSpPr>
+          <p:cNvPr id="8" name="Snip Diagonal Corner Rectangle 7"/>
+          <p:cNvSpPr/>
+          <p:nvPr/>
+        </p:nvSpPr>
+        <p:spPr>
+          <a:xfrm>
+            <a:off x="2204353" y="3212044"/>
+            <a:ext cx="824709" cy="471262"/>
+          </a:xfrm>
+          <a:prstGeom prst="snip2DiagRect">
+            <a:avLst/>
+          </a:prstGeom>
+          <a:solidFill>
+            <a:schemeClr val="bg2">
+              <a:lumMod val="90000"/>
+            </a:schemeClr>
+          </a:solidFill>
+          <a:ln>
+            <a:solidFill>
+              <a:schemeClr val="tx1"/>
+            </a:solidFill>
+          </a:ln>
+        </p:spPr>
+        <p:style>
+          <a:lnRef idx="1">
+            <a:schemeClr val="accent1"/>
+          </a:lnRef>
+          <a:fillRef idx="3">
+            <a:schemeClr val="accent1"/>
+          </a:fillRef>
+          <a:effectRef idx="2">
+            <a:schemeClr val="accent1"/>
+          </a:effectRef>
+          <a:fontRef idx="minor">
+            <a:schemeClr val="lt1"/>
+          </a:fontRef>
+        </p:style>
+        <p:txBody>
+          <a:bodyPr rtlCol="0" anchor="ctr"/>
+          <a:lstStyle/>
+          <a:p>
+            <a:pPr algn="ctr"/>
+            <a:r>
+              <a:rPr lang="en-US" dirty="0" smtClean="0">
+                <a:solidFill>
+                  <a:schemeClr val="tx1"/>
+                </a:solidFill>
+              </a:rPr>
+              <a:t>Zoo</a:t>
+            </a:r>
+            <a:endParaRPr lang="en-US" dirty="0">
+              <a:solidFill>
+                <a:schemeClr val="tx1"/>
+              </a:solidFill>
+            </a:endParaRPr>
+          </a:p>
+        </p:txBody>
+      </p:sp>
+      <p:sp>
+        <p:nvSpPr>
+          <p:cNvPr id="9" name="Snip Diagonal Corner Rectangle 8"/>
+          <p:cNvSpPr/>
+          <p:nvPr/>
+        </p:nvSpPr>
+        <p:spPr>
+          <a:xfrm>
+            <a:off x="1360524" y="4730471"/>
+            <a:ext cx="824709" cy="471262"/>
+          </a:xfrm>
+          <a:prstGeom prst="snip2DiagRect">
+            <a:avLst/>
+          </a:prstGeom>
+          <a:solidFill>
+            <a:schemeClr val="bg2">
+              <a:lumMod val="90000"/>
+            </a:schemeClr>
+          </a:solidFill>
+          <a:ln>
+            <a:solidFill>
+              <a:schemeClr val="tx1"/>
+            </a:solidFill>
+          </a:ln>
+        </p:spPr>
+        <p:style>
+          <a:lnRef idx="1">
+            <a:schemeClr val="accent1"/>
+          </a:lnRef>
+          <a:fillRef idx="3">
+            <a:schemeClr val="accent1"/>
+          </a:fillRef>
+          <a:effectRef idx="2">
+            <a:schemeClr val="accent1"/>
+          </a:effectRef>
+          <a:fontRef idx="minor">
+            <a:schemeClr val="lt1"/>
+          </a:fontRef>
+        </p:style>
+        <p:txBody>
+          <a:bodyPr rtlCol="0" anchor="ctr"/>
+          <a:lstStyle/>
+          <a:p>
+            <a:pPr algn="ctr"/>
+            <a:r>
+              <a:rPr lang="en-US" dirty="0" smtClean="0">
+                <a:solidFill>
+                  <a:schemeClr val="tx1"/>
+                </a:solidFill>
+              </a:rPr>
+              <a:t>Cages</a:t>
+            </a:r>
+            <a:endParaRPr lang="en-US" dirty="0">
+              <a:solidFill>
+                <a:schemeClr val="tx1"/>
+              </a:solidFill>
+            </a:endParaRPr>
+          </a:p>
+        </p:txBody>
+      </p:sp>
+      <p:sp>
+        <p:nvSpPr>
+          <p:cNvPr id="10" name="Snip Diagonal Corner Rectangle 9"/>
+          <p:cNvSpPr/>
+          <p:nvPr/>
+        </p:nvSpPr>
+        <p:spPr>
+          <a:xfrm>
+            <a:off x="943435" y="5094939"/>
+            <a:ext cx="824709" cy="471262"/>
+          </a:xfrm>
+          <a:prstGeom prst="snip2DiagRect">
+            <a:avLst/>
+          </a:prstGeom>
+          <a:solidFill>
+            <a:schemeClr val="bg2">
+              <a:lumMod val="90000"/>
+            </a:schemeClr>
+          </a:solidFill>
+          <a:ln>
+            <a:solidFill>
+              <a:schemeClr val="tx1"/>
+            </a:solidFill>
+          </a:ln>
+        </p:spPr>
+        <p:style>
+          <a:lnRef idx="1">
+            <a:schemeClr val="accent1"/>
+          </a:lnRef>
+          <a:fillRef idx="3">
+            <a:schemeClr val="accent1"/>
+          </a:fillRef>
+          <a:effectRef idx="2">
+            <a:schemeClr val="accent1"/>
+          </a:effectRef>
+          <a:fontRef idx="minor">
+            <a:schemeClr val="lt1"/>
+          </a:fontRef>
+        </p:style>
+        <p:txBody>
+          <a:bodyPr rtlCol="0" anchor="ctr"/>
+          <a:lstStyle/>
+          <a:p>
+            <a:pPr algn="ctr"/>
+            <a:r>
+              <a:rPr lang="en-US" dirty="0" smtClean="0">
+                <a:solidFill>
+                  <a:schemeClr val="tx1"/>
+                </a:solidFill>
+              </a:rPr>
+              <a:t>Cages</a:t>
+            </a:r>
+            <a:endParaRPr lang="en-US" dirty="0">
+              <a:solidFill>
+                <a:schemeClr val="tx1"/>
+              </a:solidFill>
+            </a:endParaRPr>
+          </a:p>
+        </p:txBody>
+      </p:sp>
+      <p:sp>
+        <p:nvSpPr>
+          <p:cNvPr id="11" name="Snip Diagonal Corner Rectangle 10"/>
+          <p:cNvSpPr/>
+          <p:nvPr/>
+        </p:nvSpPr>
+        <p:spPr>
+          <a:xfrm>
+            <a:off x="558025" y="5450679"/>
+            <a:ext cx="824709" cy="471262"/>
+          </a:xfrm>
+          <a:prstGeom prst="snip2DiagRect">
+            <a:avLst/>
+          </a:prstGeom>
+          <a:solidFill>
+            <a:schemeClr val="bg2">
+              <a:lumMod val="90000"/>
+            </a:schemeClr>
+          </a:solidFill>
+          <a:ln>
+            <a:solidFill>
+              <a:schemeClr val="tx1"/>
+            </a:solidFill>
+          </a:ln>
+        </p:spPr>
+        <p:style>
+          <a:lnRef idx="1">
+            <a:schemeClr val="accent1"/>
+          </a:lnRef>
+          <a:fillRef idx="3">
+            <a:schemeClr val="accent1"/>
+          </a:fillRef>
+          <a:effectRef idx="2">
+            <a:schemeClr val="accent1"/>
+          </a:effectRef>
+          <a:fontRef idx="minor">
+            <a:schemeClr val="lt1"/>
+          </a:fontRef>
+        </p:style>
+        <p:txBody>
+          <a:bodyPr rtlCol="0" anchor="ctr"/>
+          <a:lstStyle/>
+          <a:p>
+            <a:pPr algn="ctr"/>
+            <a:r>
+              <a:rPr lang="en-US" dirty="0" smtClean="0">
+                <a:solidFill>
+                  <a:schemeClr val="tx1"/>
+                </a:solidFill>
+              </a:rPr>
+              <a:t>Cages</a:t>
+            </a:r>
+            <a:endParaRPr lang="en-US" dirty="0">
+              <a:solidFill>
+                <a:schemeClr val="tx1"/>
+              </a:solidFill>
+            </a:endParaRPr>
+          </a:p>
+        </p:txBody>
+      </p:sp>
+      <p:sp>
+        <p:nvSpPr>
+          <p:cNvPr id="12" name="Snip Diagonal Corner Rectangle 11"/>
+          <p:cNvSpPr/>
+          <p:nvPr/>
+        </p:nvSpPr>
+        <p:spPr>
+          <a:xfrm>
+            <a:off x="209702" y="5826355"/>
+            <a:ext cx="824709" cy="471262"/>
+          </a:xfrm>
+          <a:prstGeom prst="snip2DiagRect">
+            <a:avLst/>
+          </a:prstGeom>
+          <a:solidFill>
+            <a:schemeClr val="bg2">
+              <a:lumMod val="90000"/>
+            </a:schemeClr>
+          </a:solidFill>
+          <a:ln>
+            <a:solidFill>
+              <a:schemeClr val="tx1"/>
+            </a:solidFill>
+          </a:ln>
+        </p:spPr>
+        <p:style>
+          <a:lnRef idx="1">
+            <a:schemeClr val="accent1"/>
+          </a:lnRef>
+          <a:fillRef idx="3">
+            <a:schemeClr val="accent1"/>
+          </a:fillRef>
+          <a:effectRef idx="2">
+            <a:schemeClr val="accent1"/>
+          </a:effectRef>
+          <a:fontRef idx="minor">
+            <a:schemeClr val="lt1"/>
+          </a:fontRef>
+        </p:style>
+        <p:txBody>
+          <a:bodyPr rtlCol="0" anchor="ctr"/>
+          <a:lstStyle/>
+          <a:p>
+            <a:pPr algn="ctr"/>
+            <a:r>
+              <a:rPr lang="en-US" dirty="0" smtClean="0">
+                <a:solidFill>
+                  <a:schemeClr val="tx1"/>
+                </a:solidFill>
+              </a:rPr>
+              <a:t>Cages</a:t>
+            </a:r>
+            <a:endParaRPr lang="en-US" dirty="0">
+              <a:solidFill>
+                <a:schemeClr val="tx1"/>
+              </a:solidFill>
+            </a:endParaRPr>
+          </a:p>
+        </p:txBody>
+      </p:sp>
+      <p:cxnSp>
+        <p:nvCxnSpPr>
+          <p:cNvPr id="22" name="Straight Connector 21"/>
+          <p:cNvCxnSpPr>
+            <a:stCxn id="6" idx="1"/>
+          </p:cNvCxnSpPr>
+          <p:nvPr/>
+        </p:nvCxnSpPr>
+        <p:spPr>
+          <a:xfrm flipH="1">
+            <a:off x="2786024" y="2209800"/>
+            <a:ext cx="1785976" cy="1002244"/>
+          </a:xfrm>
+          <a:prstGeom prst="line">
+            <a:avLst/>
+          </a:prstGeom>
+        </p:spPr>
+        <p:style>
+          <a:lnRef idx="1">
+            <a:schemeClr val="accent1"/>
+          </a:lnRef>
+          <a:fillRef idx="0">
+            <a:schemeClr val="accent1"/>
+          </a:fillRef>
+          <a:effectRef idx="0">
+            <a:schemeClr val="accent1"/>
+          </a:effectRef>
+          <a:fontRef idx="minor">
+            <a:schemeClr val="tx1"/>
+          </a:fontRef>
+        </p:style>
+      </p:cxnSp>
+      <p:cxnSp>
+        <p:nvCxnSpPr>
+          <p:cNvPr id="24" name="Straight Connector 23"/>
+          <p:cNvCxnSpPr>
+            <a:stCxn id="6" idx="0"/>
+            <a:endCxn id="7" idx="2"/>
+          </p:cNvCxnSpPr>
+          <p:nvPr/>
+        </p:nvCxnSpPr>
+        <p:spPr>
+          <a:xfrm>
+            <a:off x="5524500" y="1905000"/>
+            <a:ext cx="1104900" cy="0"/>
+          </a:xfrm>
+          <a:prstGeom prst="line">
+            <a:avLst/>
+          </a:prstGeom>
+        </p:spPr>
+        <p:style>
+          <a:lnRef idx="1">
+            <a:schemeClr val="accent1"/>
+          </a:lnRef>
+          <a:fillRef idx="0">
+            <a:schemeClr val="accent1"/>
+          </a:fillRef>
+          <a:effectRef idx="0">
+            <a:schemeClr val="accent1"/>
+          </a:effectRef>
+          <a:fontRef idx="minor">
+            <a:schemeClr val="tx1"/>
+          </a:fontRef>
+        </p:style>
+      </p:cxnSp>
+      <p:sp>
+        <p:nvSpPr>
+          <p:cNvPr id="25" name="Snip Diagonal Corner Rectangle 24"/>
+          <p:cNvSpPr/>
+          <p:nvPr/>
+        </p:nvSpPr>
+        <p:spPr>
+          <a:xfrm>
+            <a:off x="2865816" y="4739552"/>
+            <a:ext cx="942524" cy="471262"/>
+          </a:xfrm>
+          <a:prstGeom prst="snip2DiagRect">
+            <a:avLst/>
+          </a:prstGeom>
+          <a:solidFill>
+            <a:schemeClr val="bg2">
+              <a:lumMod val="90000"/>
+            </a:schemeClr>
+          </a:solidFill>
+          <a:ln>
+            <a:solidFill>
+              <a:schemeClr val="tx1"/>
+            </a:solidFill>
+          </a:ln>
+        </p:spPr>
+        <p:style>
+          <a:lnRef idx="1">
+            <a:schemeClr val="accent1"/>
+          </a:lnRef>
+          <a:fillRef idx="3">
+            <a:schemeClr val="accent1"/>
+          </a:fillRef>
+          <a:effectRef idx="2">
+            <a:schemeClr val="accent1"/>
+          </a:effectRef>
+          <a:fontRef idx="minor">
+            <a:schemeClr val="lt1"/>
+          </a:fontRef>
+        </p:style>
+        <p:txBody>
+          <a:bodyPr rtlCol="0" anchor="ctr"/>
+          <a:lstStyle/>
+          <a:p>
+            <a:pPr algn="ctr"/>
+            <a:r>
+              <a:rPr lang="en-US" dirty="0" smtClean="0">
+                <a:solidFill>
+                  <a:schemeClr val="tx1"/>
+                </a:solidFill>
+              </a:rPr>
+              <a:t>Animal</a:t>
+            </a:r>
+            <a:endParaRPr lang="en-US" dirty="0">
+              <a:solidFill>
+                <a:schemeClr val="tx1"/>
+              </a:solidFill>
+            </a:endParaRPr>
+          </a:p>
+        </p:txBody>
+      </p:sp>
+      <p:sp>
+        <p:nvSpPr>
+          <p:cNvPr id="26" name="Snip Diagonal Corner Rectangle 25"/>
+          <p:cNvSpPr/>
+          <p:nvPr/>
+        </p:nvSpPr>
+        <p:spPr>
+          <a:xfrm>
+            <a:off x="2488112" y="5140263"/>
+            <a:ext cx="942524" cy="471262"/>
+          </a:xfrm>
+          <a:prstGeom prst="snip2DiagRect">
+            <a:avLst/>
+          </a:prstGeom>
+          <a:solidFill>
+            <a:schemeClr val="bg2">
+              <a:lumMod val="90000"/>
+            </a:schemeClr>
+          </a:solidFill>
+          <a:ln>
+            <a:solidFill>
+              <a:schemeClr val="tx1"/>
+            </a:solidFill>
+          </a:ln>
+        </p:spPr>
+        <p:style>
+          <a:lnRef idx="1">
+            <a:schemeClr val="accent1"/>
+          </a:lnRef>
+          <a:fillRef idx="3">
+            <a:schemeClr val="accent1"/>
+          </a:fillRef>
+          <a:effectRef idx="2">
+            <a:schemeClr val="accent1"/>
+          </a:effectRef>
+          <a:fontRef idx="minor">
+            <a:schemeClr val="lt1"/>
+          </a:fontRef>
+        </p:style>
+        <p:txBody>
+          <a:bodyPr rtlCol="0" anchor="ctr"/>
+          <a:lstStyle/>
+          <a:p>
+            <a:pPr algn="ctr"/>
+            <a:r>
+              <a:rPr lang="en-US" dirty="0" smtClean="0">
+                <a:solidFill>
+                  <a:schemeClr val="tx1"/>
+                </a:solidFill>
+              </a:rPr>
+              <a:t>Animal</a:t>
+            </a:r>
+            <a:endParaRPr lang="en-US" dirty="0">
+              <a:solidFill>
+                <a:schemeClr val="tx1"/>
+              </a:solidFill>
+            </a:endParaRPr>
+          </a:p>
+        </p:txBody>
+      </p:sp>
+      <p:sp>
+        <p:nvSpPr>
+          <p:cNvPr id="27" name="Snip Diagonal Corner Rectangle 26"/>
+          <p:cNvSpPr/>
+          <p:nvPr/>
+        </p:nvSpPr>
+        <p:spPr>
+          <a:xfrm>
+            <a:off x="2215041" y="5488894"/>
+            <a:ext cx="942524" cy="471262"/>
+          </a:xfrm>
+          <a:prstGeom prst="snip2DiagRect">
+            <a:avLst/>
+          </a:prstGeom>
+          <a:solidFill>
+            <a:schemeClr val="bg2">
+              <a:lumMod val="90000"/>
+            </a:schemeClr>
+          </a:solidFill>
+          <a:ln>
+            <a:solidFill>
+              <a:schemeClr val="tx1"/>
+            </a:solidFill>
+          </a:ln>
+        </p:spPr>
+        <p:style>
+          <a:lnRef idx="1">
+            <a:schemeClr val="accent1"/>
+          </a:lnRef>
+          <a:fillRef idx="3">
+            <a:schemeClr val="accent1"/>
+          </a:fillRef>
+          <a:effectRef idx="2">
+            <a:schemeClr val="accent1"/>
+          </a:effectRef>
+          <a:fontRef idx="minor">
+            <a:schemeClr val="lt1"/>
+          </a:fontRef>
+        </p:style>
+        <p:txBody>
+          <a:bodyPr rtlCol="0" anchor="ctr"/>
+          <a:lstStyle/>
+          <a:p>
+            <a:pPr algn="ctr"/>
+            <a:r>
+              <a:rPr lang="en-US" dirty="0" smtClean="0">
+                <a:solidFill>
+                  <a:schemeClr val="tx1"/>
+                </a:solidFill>
+              </a:rPr>
+              <a:t>Animal</a:t>
+            </a:r>
+            <a:endParaRPr lang="en-US" dirty="0">
+              <a:solidFill>
+                <a:schemeClr val="tx1"/>
+              </a:solidFill>
+            </a:endParaRPr>
+          </a:p>
+        </p:txBody>
+      </p:sp>
+      <p:sp>
+        <p:nvSpPr>
+          <p:cNvPr id="28" name="Snip Diagonal Corner Rectangle 27"/>
+          <p:cNvSpPr/>
+          <p:nvPr/>
+        </p:nvSpPr>
+        <p:spPr>
+          <a:xfrm>
+            <a:off x="1866718" y="5839348"/>
+            <a:ext cx="942524" cy="471262"/>
+          </a:xfrm>
+          <a:prstGeom prst="snip2DiagRect">
+            <a:avLst/>
+          </a:prstGeom>
+          <a:solidFill>
+            <a:schemeClr val="bg2">
+              <a:lumMod val="90000"/>
+            </a:schemeClr>
+          </a:solidFill>
+          <a:ln>
+            <a:solidFill>
+              <a:schemeClr val="tx1"/>
+            </a:solidFill>
+          </a:ln>
+        </p:spPr>
+        <p:style>
+          <a:lnRef idx="1">
+            <a:schemeClr val="accent1"/>
+          </a:lnRef>
+          <a:fillRef idx="3">
+            <a:schemeClr val="accent1"/>
+          </a:fillRef>
+          <a:effectRef idx="2">
+            <a:schemeClr val="accent1"/>
+          </a:effectRef>
+          <a:fontRef idx="minor">
+            <a:schemeClr val="lt1"/>
+          </a:fontRef>
+        </p:style>
+        <p:txBody>
+          <a:bodyPr rtlCol="0" anchor="ctr"/>
+          <a:lstStyle/>
+          <a:p>
+            <a:pPr algn="ctr"/>
+            <a:r>
+              <a:rPr lang="en-US" dirty="0" smtClean="0">
+                <a:solidFill>
+                  <a:schemeClr val="tx1"/>
+                </a:solidFill>
+              </a:rPr>
+              <a:t>Animal</a:t>
+            </a:r>
+            <a:endParaRPr lang="en-US" dirty="0">
+              <a:solidFill>
+                <a:schemeClr val="tx1"/>
+              </a:solidFill>
+            </a:endParaRPr>
+          </a:p>
+        </p:txBody>
+      </p:sp>
+      <p:cxnSp>
+        <p:nvCxnSpPr>
+          <p:cNvPr id="30" name="Straight Connector 29"/>
+          <p:cNvCxnSpPr>
+            <a:stCxn id="8" idx="1"/>
+            <a:endCxn id="25" idx="3"/>
+          </p:cNvCxnSpPr>
+          <p:nvPr/>
+        </p:nvCxnSpPr>
+        <p:spPr>
+          <a:xfrm>
+            <a:off x="2616708" y="3683306"/>
+            <a:ext cx="720370" cy="1056246"/>
+          </a:xfrm>
+          <a:prstGeom prst="line">
+            <a:avLst/>
+          </a:prstGeom>
+        </p:spPr>
+        <p:style>
+          <a:lnRef idx="1">
+            <a:schemeClr val="accent1"/>
+          </a:lnRef>
+          <a:fillRef idx="0">
+            <a:schemeClr val="accent1"/>
+          </a:fillRef>
+          <a:effectRef idx="0">
+            <a:schemeClr val="accent1"/>
+          </a:effectRef>
+          <a:fontRef idx="minor">
+            <a:schemeClr val="tx1"/>
+          </a:fontRef>
+        </p:style>
+      </p:cxnSp>
+      <p:cxnSp>
+        <p:nvCxnSpPr>
+          <p:cNvPr id="32" name="Straight Connector 31"/>
+          <p:cNvCxnSpPr>
+            <a:stCxn id="8" idx="1"/>
+            <a:endCxn id="9" idx="3"/>
+          </p:cNvCxnSpPr>
+          <p:nvPr/>
+        </p:nvCxnSpPr>
+        <p:spPr>
+          <a:xfrm flipH="1">
+            <a:off x="1772879" y="3683306"/>
+            <a:ext cx="843829" cy="1047165"/>
+          </a:xfrm>
+          <a:prstGeom prst="line">
+            <a:avLst/>
+          </a:prstGeom>
+        </p:spPr>
+        <p:style>
+          <a:lnRef idx="1">
+            <a:schemeClr val="accent1"/>
+          </a:lnRef>
+          <a:fillRef idx="0">
+            <a:schemeClr val="accent1"/>
+          </a:fillRef>
+          <a:effectRef idx="0">
+            <a:schemeClr val="accent1"/>
+          </a:effectRef>
+          <a:fontRef idx="minor">
+            <a:schemeClr val="tx1"/>
+          </a:fontRef>
+        </p:style>
+      </p:cxnSp>
+      <p:sp>
+        <p:nvSpPr>
+          <p:cNvPr id="36" name="Snip Diagonal Corner Rectangle 35"/>
+          <p:cNvSpPr/>
+          <p:nvPr/>
+        </p:nvSpPr>
+        <p:spPr>
+          <a:xfrm>
+            <a:off x="4100738" y="3198527"/>
+            <a:ext cx="942524" cy="471262"/>
+          </a:xfrm>
+          <a:prstGeom prst="snip2DiagRect">
+            <a:avLst/>
+          </a:prstGeom>
+          <a:solidFill>
+            <a:schemeClr val="bg2">
+              <a:lumMod val="90000"/>
+            </a:schemeClr>
+          </a:solidFill>
+          <a:ln>
+            <a:solidFill>
+              <a:schemeClr val="tx1"/>
+            </a:solidFill>
+          </a:ln>
+        </p:spPr>
+        <p:style>
+          <a:lnRef idx="1">
+            <a:schemeClr val="accent1"/>
+          </a:lnRef>
+          <a:fillRef idx="3">
+            <a:schemeClr val="accent1"/>
+          </a:fillRef>
+          <a:effectRef idx="2">
+            <a:schemeClr val="accent1"/>
+          </a:effectRef>
+          <a:fontRef idx="minor">
+            <a:schemeClr val="lt1"/>
+          </a:fontRef>
+        </p:style>
+        <p:txBody>
+          <a:bodyPr rtlCol="0" anchor="ctr"/>
+          <a:lstStyle/>
+          <a:p>
+            <a:pPr algn="ctr"/>
+            <a:r>
+              <a:rPr lang="en-US" dirty="0" smtClean="0">
+                <a:solidFill>
+                  <a:schemeClr val="tx1"/>
+                </a:solidFill>
+              </a:rPr>
+              <a:t>Trump</a:t>
+            </a:r>
+            <a:endParaRPr lang="en-US" dirty="0">
+              <a:solidFill>
+                <a:schemeClr val="tx1"/>
+              </a:solidFill>
+            </a:endParaRPr>
+          </a:p>
+        </p:txBody>
+      </p:sp>
+      <p:sp>
+        <p:nvSpPr>
+          <p:cNvPr id="37" name="Snip Diagonal Corner Rectangle 36"/>
+          <p:cNvSpPr/>
+          <p:nvPr/>
+        </p:nvSpPr>
+        <p:spPr>
+          <a:xfrm>
+            <a:off x="6019229" y="3198527"/>
+            <a:ext cx="942524" cy="471262"/>
+          </a:xfrm>
+          <a:prstGeom prst="snip2DiagRect">
+            <a:avLst/>
+          </a:prstGeom>
+          <a:solidFill>
+            <a:schemeClr val="bg2">
+              <a:lumMod val="90000"/>
+            </a:schemeClr>
+          </a:solidFill>
+          <a:ln>
+            <a:solidFill>
+              <a:schemeClr val="tx1"/>
+            </a:solidFill>
+          </a:ln>
+        </p:spPr>
+        <p:style>
+          <a:lnRef idx="1">
+            <a:schemeClr val="accent1"/>
+          </a:lnRef>
+          <a:fillRef idx="3">
+            <a:schemeClr val="accent1"/>
+          </a:fillRef>
+          <a:effectRef idx="2">
+            <a:schemeClr val="accent1"/>
+          </a:effectRef>
+          <a:fontRef idx="minor">
+            <a:schemeClr val="lt1"/>
+          </a:fontRef>
+        </p:style>
+        <p:txBody>
+          <a:bodyPr rtlCol="0" anchor="ctr"/>
+          <a:lstStyle/>
+          <a:p>
+            <a:pPr algn="ctr"/>
+            <a:r>
+              <a:rPr lang="en-US" dirty="0" smtClean="0">
+                <a:solidFill>
+                  <a:schemeClr val="tx1"/>
+                </a:solidFill>
+              </a:rPr>
+              <a:t>Player</a:t>
+            </a:r>
+            <a:endParaRPr lang="en-US" dirty="0">
+              <a:solidFill>
+                <a:schemeClr val="tx1"/>
+              </a:solidFill>
+            </a:endParaRPr>
+          </a:p>
+        </p:txBody>
+      </p:sp>
+      <p:cxnSp>
+        <p:nvCxnSpPr>
+          <p:cNvPr id="42" name="Straight Connector 41"/>
+          <p:cNvCxnSpPr>
+            <a:stCxn id="6" idx="1"/>
+            <a:endCxn id="36" idx="3"/>
+          </p:cNvCxnSpPr>
+          <p:nvPr/>
+        </p:nvCxnSpPr>
+        <p:spPr>
+          <a:xfrm>
+            <a:off x="4572000" y="2209800"/>
+            <a:ext cx="0" cy="988727"/>
+          </a:xfrm>
+          <a:prstGeom prst="line">
+            <a:avLst/>
+          </a:prstGeom>
+        </p:spPr>
+        <p:style>
+          <a:lnRef idx="1">
+            <a:schemeClr val="accent1"/>
+          </a:lnRef>
+          <a:fillRef idx="0">
+            <a:schemeClr val="accent1"/>
+          </a:fillRef>
+          <a:effectRef idx="0">
+            <a:schemeClr val="accent1"/>
+          </a:effectRef>
+          <a:fontRef idx="minor">
+            <a:schemeClr val="tx1"/>
+          </a:fontRef>
+        </p:style>
+      </p:cxnSp>
+      <p:cxnSp>
+        <p:nvCxnSpPr>
+          <p:cNvPr id="44" name="Straight Connector 43"/>
+          <p:cNvCxnSpPr>
+            <a:stCxn id="6" idx="1"/>
+            <a:endCxn id="37" idx="3"/>
+          </p:cNvCxnSpPr>
+          <p:nvPr/>
+        </p:nvCxnSpPr>
+        <p:spPr>
+          <a:xfrm>
+            <a:off x="4572000" y="2209800"/>
+            <a:ext cx="1918491" cy="988727"/>
+          </a:xfrm>
+          <a:prstGeom prst="line">
+            <a:avLst/>
+          </a:prstGeom>
+        </p:spPr>
+        <p:style>
+          <a:lnRef idx="1">
+            <a:schemeClr val="accent1"/>
+          </a:lnRef>
+          <a:fillRef idx="0">
+            <a:schemeClr val="accent1"/>
+          </a:fillRef>
+          <a:effectRef idx="0">
+            <a:schemeClr val="accent1"/>
+          </a:effectRef>
+          <a:fontRef idx="minor">
+            <a:schemeClr val="tx1"/>
+          </a:fontRef>
+        </p:style>
+      </p:cxnSp>
+    </p:spTree>
+    <p:extLst>
+      <p:ext uri="{BB962C8B-B14F-4D97-AF65-F5344CB8AC3E}">
+        <p14:creationId xmlns:p14="http://schemas.microsoft.com/office/powerpoint/2010/main" val="1014674279"/>
+      </p:ext>
+    </p:extLst>
+  </p:cSld>
+  <p:clrMapOvr>
+    <a:masterClrMapping/>
+  </p:clrMapOvr>
 </p:sld>
 </file>
 
